--- a/courses/Session1:Introduction.pptx
+++ b/courses/Session1:Introduction.pptx
@@ -303,7 +303,7 @@
           <a:p>
             <a:fld id="{AE49BE0A-1917-48A2-9955-713B113CF028}" type="datetimeFigureOut">
               <a:rPr lang="fr-FR" smtClean="0"/>
-              <a:t>14/09/2025</a:t>
+              <a:t>22/09/2025</a:t>
             </a:fld>
             <a:endParaRPr lang="fr-FR"/>
           </a:p>
@@ -501,7 +501,7 @@
           <a:p>
             <a:fld id="{AE49BE0A-1917-48A2-9955-713B113CF028}" type="datetimeFigureOut">
               <a:rPr lang="fr-FR" smtClean="0"/>
-              <a:t>14/09/2025</a:t>
+              <a:t>22/09/2025</a:t>
             </a:fld>
             <a:endParaRPr lang="fr-FR"/>
           </a:p>
@@ -709,7 +709,7 @@
           <a:p>
             <a:fld id="{AE49BE0A-1917-48A2-9955-713B113CF028}" type="datetimeFigureOut">
               <a:rPr lang="fr-FR" smtClean="0"/>
-              <a:t>14/09/2025</a:t>
+              <a:t>22/09/2025</a:t>
             </a:fld>
             <a:endParaRPr lang="fr-FR"/>
           </a:p>
@@ -907,7 +907,7 @@
           <a:p>
             <a:fld id="{AE49BE0A-1917-48A2-9955-713B113CF028}" type="datetimeFigureOut">
               <a:rPr lang="fr-FR" smtClean="0"/>
-              <a:t>14/09/2025</a:t>
+              <a:t>22/09/2025</a:t>
             </a:fld>
             <a:endParaRPr lang="fr-FR"/>
           </a:p>
@@ -1182,7 +1182,7 @@
           <a:p>
             <a:fld id="{AE49BE0A-1917-48A2-9955-713B113CF028}" type="datetimeFigureOut">
               <a:rPr lang="fr-FR" smtClean="0"/>
-              <a:t>14/09/2025</a:t>
+              <a:t>22/09/2025</a:t>
             </a:fld>
             <a:endParaRPr lang="fr-FR"/>
           </a:p>
@@ -1447,7 +1447,7 @@
           <a:p>
             <a:fld id="{AE49BE0A-1917-48A2-9955-713B113CF028}" type="datetimeFigureOut">
               <a:rPr lang="fr-FR" smtClean="0"/>
-              <a:t>14/09/2025</a:t>
+              <a:t>22/09/2025</a:t>
             </a:fld>
             <a:endParaRPr lang="fr-FR"/>
           </a:p>
@@ -1859,7 +1859,7 @@
           <a:p>
             <a:fld id="{AE49BE0A-1917-48A2-9955-713B113CF028}" type="datetimeFigureOut">
               <a:rPr lang="fr-FR" smtClean="0"/>
-              <a:t>14/09/2025</a:t>
+              <a:t>22/09/2025</a:t>
             </a:fld>
             <a:endParaRPr lang="fr-FR"/>
           </a:p>
@@ -2000,7 +2000,7 @@
           <a:p>
             <a:fld id="{AE49BE0A-1917-48A2-9955-713B113CF028}" type="datetimeFigureOut">
               <a:rPr lang="fr-FR" smtClean="0"/>
-              <a:t>14/09/2025</a:t>
+              <a:t>22/09/2025</a:t>
             </a:fld>
             <a:endParaRPr lang="fr-FR"/>
           </a:p>
@@ -2113,7 +2113,7 @@
           <a:p>
             <a:fld id="{AE49BE0A-1917-48A2-9955-713B113CF028}" type="datetimeFigureOut">
               <a:rPr lang="fr-FR" smtClean="0"/>
-              <a:t>14/09/2025</a:t>
+              <a:t>22/09/2025</a:t>
             </a:fld>
             <a:endParaRPr lang="fr-FR"/>
           </a:p>
@@ -2424,7 +2424,7 @@
           <a:p>
             <a:fld id="{AE49BE0A-1917-48A2-9955-713B113CF028}" type="datetimeFigureOut">
               <a:rPr lang="fr-FR" smtClean="0"/>
-              <a:t>14/09/2025</a:t>
+              <a:t>22/09/2025</a:t>
             </a:fld>
             <a:endParaRPr lang="fr-FR"/>
           </a:p>
@@ -2712,7 +2712,7 @@
           <a:p>
             <a:fld id="{AE49BE0A-1917-48A2-9955-713B113CF028}" type="datetimeFigureOut">
               <a:rPr lang="fr-FR" smtClean="0"/>
-              <a:t>14/09/2025</a:t>
+              <a:t>22/09/2025</a:t>
             </a:fld>
             <a:endParaRPr lang="fr-FR"/>
           </a:p>
@@ -2953,7 +2953,7 @@
           <a:p>
             <a:fld id="{AE49BE0A-1917-48A2-9955-713B113CF028}" type="datetimeFigureOut">
               <a:rPr lang="fr-FR" smtClean="0"/>
-              <a:t>14/09/2025</a:t>
+              <a:t>22/09/2025</a:t>
             </a:fld>
             <a:endParaRPr lang="fr-FR"/>
           </a:p>
@@ -11192,8 +11192,8 @@
         </p:blipFill>
         <p:spPr>
           <a:xfrm>
-            <a:off x="8415129" y="1458447"/>
-            <a:ext cx="2862472" cy="5270429"/>
+            <a:off x="8183216" y="1587941"/>
+            <a:ext cx="2636238" cy="4853883"/>
           </a:xfrm>
           <a:prstGeom prst="rect">
             <a:avLst/>
